--- a/Presentation.pptx
+++ b/Presentation.pptx
@@ -162,11 +162,13 @@
     <p1510:client id="{234B2A84-4810-9C66-3DF5-0F084F62734B}" v="523" dt="2024-03-18T22:25:06.072"/>
     <p1510:client id="{23511F8D-C2A4-C9EF-0A71-ADFC8EEE1C1A}" v="51" dt="2024-03-19T22:32:14.579"/>
     <p1510:client id="{2645556D-1D21-DD3D-5CD9-F4D0E5C91406}" v="26" dt="2024-03-19T08:38:06.715"/>
+    <p1510:client id="{4787C49C-55D0-51D2-1F24-1BC77FF023EB}" v="24" dt="2024-03-19T23:19:18.070"/>
     <p1510:client id="{4FD47189-76E7-352A-E80B-BA84EF413314}" v="32" dt="2024-03-19T18:57:22.204"/>
     <p1510:client id="{53E08BDE-1E54-971F-8937-C2BBE23544B5}" v="331" dt="2024-03-19T02:57:00.407"/>
     <p1510:client id="{5B2D8FDF-7FA1-021D-ED42-CD6763621976}" v="14" dt="2024-03-19T18:14:09.081"/>
     <p1510:client id="{70BB5282-60A5-2964-8458-28A9CB633539}" v="11" dt="2024-03-19T20:23:47.015"/>
     <p1510:client id="{D5516642-7839-2F09-746E-FE64831C4C03}" v="17" dt="2024-03-19T12:28:08.208"/>
+    <p1510:client id="{EFA23439-9D3A-DD27-B072-C38728D2023B}" v="14" dt="2024-03-19T22:50:58.951"/>
   </p1510:revLst>
 </p1510:revInfo>
 </file>
@@ -5333,7 +5335,7 @@
           <a:p>
             <a:pPr algn="r" defTabSz="762000" eaLnBrk="0" hangingPunct="0"/>
             <a:r>
-              <a:rPr lang="en-US" sz="2800" b="1">
+              <a:rPr lang="en-US" sz="2800" b="1" dirty="0">
                 <a:solidFill>
                   <a:srgbClr val="123375"/>
                 </a:solidFill>
@@ -5344,7 +5346,7 @@
           <a:p>
             <a:pPr algn="r" defTabSz="762000" eaLnBrk="0" hangingPunct="0"/>
             <a:r>
-              <a:rPr lang="en-US" sz="2800" b="1">
+              <a:rPr lang="en-US" sz="2800" b="1" dirty="0">
                 <a:solidFill>
                   <a:srgbClr val="123375"/>
                 </a:solidFill>
@@ -5352,34 +5354,32 @@
               <a:t>Gleb </a:t>
             </a:r>
             <a:r>
-              <a:rPr lang="en-US" sz="2800" b="1" err="1">
+              <a:rPr lang="en-US" sz="2800" b="1" dirty="0" err="1">
                 <a:solidFill>
                   <a:srgbClr val="123375"/>
                 </a:solidFill>
               </a:rPr>
               <a:t>Bikushev</a:t>
             </a:r>
-            <a:endParaRPr lang="en-US" sz="2800" b="1">
+            <a:endParaRPr lang="en-US" sz="2800" b="1" dirty="0">
               <a:solidFill>
                 <a:srgbClr val="123375"/>
               </a:solidFill>
             </a:endParaRPr>
           </a:p>
           <a:p>
-            <a:pPr algn="r" defTabSz="762000" eaLnBrk="0" hangingPunct="0"/>
-            <a:r>
-              <a:rPr lang="en-US" sz="2800" b="1">
+            <a:pPr algn="r" defTabSz="762000"/>
+            <a:r>
+              <a:rPr lang="en-US" sz="2800" b="1" dirty="0">
                 <a:solidFill>
                   <a:srgbClr val="123375"/>
                 </a:solidFill>
+                <a:ea typeface="+mn-lt"/>
+                <a:cs typeface="+mn-lt"/>
               </a:rPr>
-              <a:t>Emmanuel</a:t>
-            </a:r>
-            <a:endParaRPr lang="en-US" b="1" u="sng">
-              <a:solidFill>
-                <a:srgbClr val="123375"/>
-              </a:solidFill>
-            </a:endParaRPr>
+              <a:t>Emmanuel Aloysious Bindu</a:t>
+            </a:r>
+            <a:endParaRPr lang="en-US" b="1" dirty="0"/>
           </a:p>
           <a:p>
             <a:pPr algn="r"/>
@@ -5392,14 +5392,14 @@
           <a:p>
             <a:pPr algn="r"/>
             <a:r>
-              <a:rPr lang="en-IN" sz="2000" b="1">
+              <a:rPr lang="en-IN" sz="2000" b="1" dirty="0">
                 <a:solidFill>
                   <a:srgbClr val="123375"/>
                 </a:solidFill>
               </a:rPr>
               <a:t>Supervisor: Abhishek Mandal</a:t>
             </a:r>
-            <a:endParaRPr lang="en-US" sz="2000" b="1">
+            <a:endParaRPr lang="en-US" sz="2000" b="1" dirty="0">
               <a:solidFill>
                 <a:srgbClr val="123375"/>
               </a:solidFill>
@@ -5416,7 +5416,7 @@
           <a:p>
             <a:pPr algn="r"/>
             <a:r>
-              <a:rPr lang="en-IN" sz="1600" b="1">
+              <a:rPr lang="en-IN" sz="1600" b="1" dirty="0">
                 <a:solidFill>
                   <a:srgbClr val="123375"/>
                 </a:solidFill>
@@ -5427,7 +5427,7 @@
           <a:p>
             <a:pPr algn="r" defTabSz="762000" eaLnBrk="0" hangingPunct="0"/>
             <a:r>
-              <a:rPr lang="en-IN" sz="1600" b="1">
+              <a:rPr lang="en-IN" sz="1600" b="1" dirty="0">
                 <a:solidFill>
                   <a:srgbClr val="123375"/>
                 </a:solidFill>
@@ -5435,7 +5435,7 @@
               <a:t>Computing Science and Mathematics Department</a:t>
             </a:r>
             <a:r>
-              <a:rPr lang="en-US" sz="1600" b="1">
+              <a:rPr lang="en-US" sz="1600" b="1" dirty="0">
                 <a:solidFill>
                   <a:srgbClr val="123375"/>
                 </a:solidFill>
@@ -5446,14 +5446,14 @@
           <a:p>
             <a:pPr algn="r"/>
             <a:r>
-              <a:rPr lang="en-IN" sz="1600" b="1">
+              <a:rPr lang="en-IN" sz="1600" b="1" dirty="0">
                 <a:solidFill>
                   <a:srgbClr val="123375"/>
                 </a:solidFill>
               </a:rPr>
               <a:t>Dundalk Institute of Technology</a:t>
             </a:r>
-            <a:endParaRPr lang="en-US" sz="1600" b="1">
+            <a:endParaRPr lang="en-US" sz="1600" b="1" dirty="0">
               <a:solidFill>
                 <a:srgbClr val="123375"/>
               </a:solidFill>
@@ -6035,10 +6035,10 @@
               <a:buChar char="§"/>
             </a:pPr>
             <a:r>
-              <a:rPr lang="en-US" sz="2800" kern="0"/>
+              <a:rPr lang="en-US" sz="2800" kern="0" dirty="0"/>
               <a:t>The purpose of the study</a:t>
             </a:r>
-            <a:endParaRPr lang="en-US" sz="2800"/>
+            <a:endParaRPr lang="en-US" sz="2800" dirty="0"/>
           </a:p>
           <a:p>
             <a:pPr>
@@ -6052,7 +6052,7 @@
               <a:buChar char="§"/>
             </a:pPr>
             <a:r>
-              <a:rPr lang="en-US" sz="2800" kern="0"/>
+              <a:rPr lang="en-US" sz="2800" kern="0" dirty="0"/>
               <a:t>Data importing and cleaning</a:t>
             </a:r>
           </a:p>
@@ -6068,8 +6068,8 @@
               <a:buChar char="§"/>
             </a:pPr>
             <a:r>
-              <a:rPr lang="en-US" sz="2800" kern="0"/>
-              <a:t>Dashboard №1 (Gleb)</a:t>
+              <a:rPr lang="en-US" sz="2800" kern="0" dirty="0"/>
+              <a:t>Dashboard No1 (Gleb)</a:t>
             </a:r>
           </a:p>
           <a:p>
@@ -6084,8 +6084,8 @@
               <a:buChar char="§"/>
             </a:pPr>
             <a:r>
-              <a:rPr lang="en-US" sz="2800" kern="0"/>
-              <a:t>Dashboard №2 (Sunny)</a:t>
+              <a:rPr lang="en-US" sz="2800" kern="0" dirty="0"/>
+              <a:t>Dashboard No 2 (Sunny)</a:t>
             </a:r>
           </a:p>
           <a:p>
@@ -6101,7 +6101,7 @@
             </a:pPr>
             <a:r>
               <a:rPr lang="en-US" sz="2800" kern="0"/>
-              <a:t>Dashboard №3 (Emmanuel)</a:t>
+              <a:t>Dashboard No 3 (Emmanuel)</a:t>
             </a:r>
           </a:p>
           <a:p>
@@ -6116,7 +6116,7 @@
               <a:buChar char="§"/>
             </a:pPr>
             <a:r>
-              <a:rPr lang="en-US" sz="2800" kern="0"/>
+              <a:rPr lang="en-US" sz="2800" kern="0" dirty="0"/>
               <a:t>Strengths and weakness</a:t>
             </a:r>
           </a:p>
@@ -6132,7 +6132,7 @@
               <a:buChar char="§"/>
             </a:pPr>
             <a:r>
-              <a:rPr lang="en-US" sz="2800" kern="0"/>
+              <a:rPr lang="en-US" sz="2800" kern="0" dirty="0"/>
               <a:t>Future work</a:t>
             </a:r>
           </a:p>
@@ -6414,8 +6414,8 @@
         </p:blipFill>
         <p:spPr>
           <a:xfrm>
-            <a:off x="1802027" y="966083"/>
-            <a:ext cx="6744730" cy="3484212"/>
+            <a:off x="2507998" y="1044524"/>
+            <a:ext cx="6531819" cy="3372154"/>
           </a:xfrm>
           <a:prstGeom prst="rect">
             <a:avLst/>

--- a/Presentation.pptx
+++ b/Presentation.pptx
@@ -6,10 +6,10 @@
     <p:sldMasterId id="2147483661" r:id="rId2"/>
   </p:sldMasterIdLst>
   <p:notesMasterIdLst>
-    <p:notesMasterId r:id="rId14"/>
+    <p:notesMasterId r:id="rId15"/>
   </p:notesMasterIdLst>
   <p:handoutMasterIdLst>
-    <p:handoutMasterId r:id="rId15"/>
+    <p:handoutMasterId r:id="rId16"/>
   </p:handoutMasterIdLst>
   <p:sldIdLst>
     <p:sldId id="257" r:id="rId3"/>
@@ -22,7 +22,8 @@
     <p:sldId id="366" r:id="rId10"/>
     <p:sldId id="375" r:id="rId11"/>
     <p:sldId id="374" r:id="rId12"/>
-    <p:sldId id="362" r:id="rId13"/>
+    <p:sldId id="376" r:id="rId13"/>
+    <p:sldId id="362" r:id="rId14"/>
   </p:sldIdLst>
   <p:sldSz cx="12192000" cy="6858000"/>
   <p:notesSz cx="6858000" cy="9144000"/>
@@ -167,8 +168,9 @@
     <p1510:client id="{53E08BDE-1E54-971F-8937-C2BBE23544B5}" v="331" dt="2024-03-19T02:57:00.407"/>
     <p1510:client id="{5B2D8FDF-7FA1-021D-ED42-CD6763621976}" v="14" dt="2024-03-19T18:14:09.081"/>
     <p1510:client id="{70BB5282-60A5-2964-8458-28A9CB633539}" v="11" dt="2024-03-19T20:23:47.015"/>
+    <p1510:client id="{A9AF5055-CDF0-D5D6-AA84-2323379FCEBC}" v="26" dt="2024-03-19T23:48:12.508"/>
     <p1510:client id="{D5516642-7839-2F09-746E-FE64831C4C03}" v="17" dt="2024-03-19T12:28:08.208"/>
-    <p1510:client id="{EFA23439-9D3A-DD27-B072-C38728D2023B}" v="14" dt="2024-03-19T22:50:58.951"/>
+    <p1510:client id="{EFA23439-9D3A-DD27-B072-C38728D2023B}" v="15" dt="2024-03-19T23:44:02.949"/>
   </p1510:revLst>
 </p1510:revInfo>
 </file>
@@ -5608,6 +5610,191 @@
 </file>
 
 <file path=ppt/slides/slide11.xml><?xml version="1.0" encoding="utf-8"?>
+<p:sld xmlns:a="http://schemas.openxmlformats.org/drawingml/2006/main" xmlns:r="http://schemas.openxmlformats.org/officeDocument/2006/relationships" xmlns:p="http://schemas.openxmlformats.org/presentationml/2006/main">
+  <p:cSld>
+    <p:spTree>
+      <p:nvGrpSpPr>
+        <p:cNvPr id="1" name=""/>
+        <p:cNvGrpSpPr/>
+        <p:nvPr/>
+      </p:nvGrpSpPr>
+      <p:grpSpPr>
+        <a:xfrm>
+          <a:off x="0" y="0"/>
+          <a:ext cx="0" cy="0"/>
+          <a:chOff x="0" y="0"/>
+          <a:chExt cx="0" cy="0"/>
+        </a:xfrm>
+      </p:grpSpPr>
+      <p:sp>
+        <p:nvSpPr>
+          <p:cNvPr id="2" name="Title 1">
+            <a:extLst>
+              <a:ext uri="{FF2B5EF4-FFF2-40B4-BE49-F238E27FC236}">
+                <a16:creationId xmlns:a16="http://schemas.microsoft.com/office/drawing/2014/main" id="{53423A75-C890-9044-263F-C5A34DAD47B9}"/>
+              </a:ext>
+            </a:extLst>
+          </p:cNvPr>
+          <p:cNvSpPr>
+            <a:spLocks noGrp="1"/>
+          </p:cNvSpPr>
+          <p:nvPr>
+            <p:ph type="title"/>
+          </p:nvPr>
+        </p:nvSpPr>
+        <p:spPr>
+          <a:xfrm>
+            <a:off x="0" y="-2943"/>
+            <a:ext cx="2995449" cy="967225"/>
+          </a:xfrm>
+        </p:spPr>
+        <p:txBody>
+          <a:bodyPr/>
+          <a:lstStyle/>
+          <a:p>
+            <a:pPr marL="182245" indent="-182245"/>
+            <a:r>
+              <a:rPr lang="en-US" sz="3200">
+                <a:solidFill>
+                  <a:schemeClr val="tx1"/>
+                </a:solidFill>
+              </a:rPr>
+              <a:t>Insights</a:t>
+            </a:r>
+          </a:p>
+        </p:txBody>
+      </p:sp>
+      <p:sp>
+        <p:nvSpPr>
+          <p:cNvPr id="3" name="Content Placeholder 2">
+            <a:extLst>
+              <a:ext uri="{FF2B5EF4-FFF2-40B4-BE49-F238E27FC236}">
+                <a16:creationId xmlns:a16="http://schemas.microsoft.com/office/drawing/2014/main" id="{3DD53A6B-CFB4-2493-607B-B6788337CB6B}"/>
+              </a:ext>
+            </a:extLst>
+          </p:cNvPr>
+          <p:cNvSpPr>
+            <a:spLocks noGrp="1"/>
+          </p:cNvSpPr>
+          <p:nvPr>
+            <p:ph idx="1"/>
+          </p:nvPr>
+        </p:nvSpPr>
+        <p:spPr>
+          <a:xfrm>
+            <a:off x="223234" y="1299694"/>
+            <a:ext cx="10972800" cy="4525963"/>
+          </a:xfrm>
+        </p:spPr>
+        <p:txBody>
+          <a:bodyPr lIns="91440" tIns="45720" rIns="91440" bIns="45720" anchor="t"/>
+          <a:lstStyle/>
+          <a:p>
+            <a:r>
+              <a:rPr lang="en-US" sz="2400">
+                <a:solidFill>
+                  <a:srgbClr val="1F2328"/>
+                </a:solidFill>
+                <a:ea typeface="+mn-lt"/>
+                <a:cs typeface="+mn-lt"/>
+              </a:rPr>
+              <a:t>Almost 50% of the Gen Z wants to study aboard.</a:t>
+            </a:r>
+            <a:endParaRPr lang="en-US" sz="2400"/>
+          </a:p>
+          <a:p>
+            <a:r>
+              <a:rPr lang="en-US" sz="2400">
+                <a:solidFill>
+                  <a:srgbClr val="1F2328"/>
+                </a:solidFill>
+                <a:ea typeface="+mn-lt"/>
+                <a:cs typeface="+mn-lt"/>
+              </a:rPr>
+              <a:t>In terms of working environment Gen Z preferred fully remote with travel option by both male and females. Their least preferred is the fully remote.</a:t>
+            </a:r>
+          </a:p>
+          <a:p>
+            <a:r>
+              <a:rPr lang="en-US" sz="2400">
+                <a:solidFill>
+                  <a:srgbClr val="1F2328"/>
+                </a:solidFill>
+                <a:ea typeface="+mn-lt"/>
+                <a:cs typeface="+mn-lt"/>
+              </a:rPr>
+              <a:t>Both males and females of Generation-Z in India prefer to work with employer who enables a learning environment and rewards you at the end.</a:t>
+            </a:r>
+            <a:endParaRPr lang="en-US" sz="2400">
+              <a:solidFill>
+                <a:srgbClr val="1F2328"/>
+              </a:solidFill>
+            </a:endParaRPr>
+          </a:p>
+          <a:p>
+            <a:r>
+              <a:rPr lang="en-US" sz="2400">
+                <a:solidFill>
+                  <a:srgbClr val="1F2328"/>
+                </a:solidFill>
+                <a:ea typeface="+mn-lt"/>
+                <a:cs typeface="+mn-lt"/>
+              </a:rPr>
+              <a:t>Both males and females of Generation-Z in India prefers to work in small teams with 5-6 people, while the least preferred option for males is "7 to 10 people" for and "More than 10 people" for females.</a:t>
+            </a:r>
+            <a:endParaRPr lang="en-US" sz="2400">
+              <a:solidFill>
+                <a:srgbClr val="1F2328"/>
+              </a:solidFill>
+            </a:endParaRPr>
+          </a:p>
+          <a:p>
+            <a:r>
+              <a:rPr lang="en-US" sz="2400">
+                <a:solidFill>
+                  <a:srgbClr val="1F2328"/>
+                </a:solidFill>
+                <a:ea typeface="+mn-lt"/>
+                <a:cs typeface="+mn-lt"/>
+              </a:rPr>
+              <a:t>Parents are the most influential factor for both the genders for deciding their career. In terms of least for the gender it is social media.</a:t>
+            </a:r>
+            <a:endParaRPr lang="en-US" sz="2400">
+              <a:solidFill>
+                <a:srgbClr val="1F2328"/>
+              </a:solidFill>
+            </a:endParaRPr>
+          </a:p>
+          <a:p>
+            <a:endParaRPr lang="en-US" sz="2400">
+              <a:solidFill>
+                <a:srgbClr val="1F2328"/>
+              </a:solidFill>
+            </a:endParaRPr>
+          </a:p>
+          <a:p>
+            <a:endParaRPr lang="en-US" sz="2400">
+              <a:solidFill>
+                <a:srgbClr val="1F2328"/>
+              </a:solidFill>
+            </a:endParaRPr>
+          </a:p>
+        </p:txBody>
+      </p:sp>
+    </p:spTree>
+    <p:extLst>
+      <p:ext uri="{BB962C8B-B14F-4D97-AF65-F5344CB8AC3E}">
+        <p14:creationId xmlns:p14="http://schemas.microsoft.com/office/powerpoint/2010/main" val="767517921"/>
+      </p:ext>
+    </p:extLst>
+  </p:cSld>
+  <p:clrMapOvr>
+    <a:masterClrMapping/>
+  </p:clrMapOvr>
+</p:sld>
+</file>
+
+<file path=ppt/slides/slide12.xml><?xml version="1.0" encoding="utf-8"?>
 <p:sld xmlns:a="http://schemas.openxmlformats.org/drawingml/2006/main" xmlns:r="http://schemas.openxmlformats.org/officeDocument/2006/relationships" xmlns:p="http://schemas.openxmlformats.org/presentationml/2006/main">
   <p:cSld>
     <p:spTree>

--- a/Presentation.pptx
+++ b/Presentation.pptx
@@ -258,7 +258,7 @@
             <a:fld id="{089C4509-0718-495E-A650-953FF74B69AF}" type="datetimeFigureOut">
               <a:rPr lang="de-DE" smtClean="0"/>
               <a:pPr/>
-              <a:t>19.03.2024</a:t>
+              <a:t>21.03.2024</a:t>
             </a:fld>
             <a:endParaRPr lang="de-DE"/>
           </a:p>
@@ -424,7 +424,7 @@
           <a:p>
             <a:fld id="{27E1B7F5-BEC3-41FD-BD94-8FA5030B884A}" type="datetimeFigureOut">
               <a:rPr lang="en-US" smtClean="0"/>
-              <a:t>3/19/2024</a:t>
+              <a:t>3/21/2024</a:t>
             </a:fld>
             <a:endParaRPr lang="en-US"/>
           </a:p>
@@ -1118,7 +1118,7 @@
             <a:fld id="{6FF1EA88-867B-44F4-BE95-B615105451F6}" type="slidenum">
               <a:rPr lang="de-DE" smtClean="0"/>
               <a:pPr/>
-              <a:t>11</a:t>
+              <a:t>12</a:t>
             </a:fld>
             <a:endParaRPr lang="de-DE"/>
           </a:p>
@@ -7112,7 +7112,7 @@
           <p:nvPr>
             <p:extLst>
               <p:ext uri="{D42A27DB-BD31-4B8C-83A1-F6EECF244321}">
-                <p14:modId xmlns:p14="http://schemas.microsoft.com/office/powerpoint/2010/main" val="3237871157"/>
+                <p14:modId xmlns:p14="http://schemas.microsoft.com/office/powerpoint/2010/main" val="1897678277"/>
               </p:ext>
             </p:extLst>
           </p:nvPr>
@@ -7194,7 +7194,7 @@
                     <a:p>
                       <a:pPr algn="ctr"/>
                       <a:r>
-                        <a:rPr lang="en-US">
+                        <a:rPr lang="en-US" dirty="0">
                           <a:solidFill>
                             <a:schemeClr val="tx1"/>
                           </a:solidFill>
@@ -7358,7 +7358,7 @@
                         <a:buChar char="•"/>
                       </a:pPr>
                       <a:r>
-                        <a:rPr lang="en-US" sz="1600" u="none" strike="noStrike" noProof="0"/>
+                        <a:rPr lang="en-US" sz="1600" u="none" strike="noStrike" noProof="0" dirty="0"/>
                         <a:t>Efficient Space Use</a:t>
                       </a:r>
                     </a:p>
@@ -7366,7 +7366,7 @@
                       <a:pPr marL="0" lvl="0" indent="0">
                         <a:buNone/>
                       </a:pPr>
-                      <a:endParaRPr lang="en-US" sz="1600" u="none" strike="noStrike" noProof="0"/>
+                      <a:endParaRPr lang="en-US" sz="1600" u="none" strike="noStrike" noProof="0" dirty="0"/>
                     </a:p>
                     <a:p>
                       <a:pPr marL="285750" lvl="0" indent="-285750">
@@ -7374,17 +7374,17 @@
                         <a:buChar char="•"/>
                       </a:pPr>
                       <a:r>
-                        <a:rPr lang="en-US" sz="1600" u="none" strike="noStrike" noProof="0"/>
+                        <a:rPr lang="en-US" sz="1600" u="none" strike="noStrike" noProof="0" dirty="0"/>
                         <a:t>Visualizing Proportions</a:t>
                       </a:r>
-                      <a:endParaRPr lang="en-US" sz="1600"/>
+                      <a:endParaRPr lang="en-US" sz="1600" dirty="0"/>
                     </a:p>
                     <a:p>
                       <a:pPr marL="342900" lvl="0" indent="-342900">
                         <a:buFont typeface="Arial"/>
                         <a:buChar char="•"/>
                       </a:pPr>
-                      <a:endParaRPr lang="en-US" sz="1400" u="none" strike="noStrike" noProof="0"/>
+                      <a:endParaRPr lang="en-US" sz="1400" u="none" strike="noStrike" noProof="0" dirty="0"/>
                     </a:p>
                   </a:txBody>
                   <a:tcPr>
@@ -7729,10 +7729,10 @@
                         <a:buChar char="•"/>
                       </a:pPr>
                       <a:r>
-                        <a:rPr lang="en-US" sz="1600" b="0" i="0" u="none" strike="noStrike" noProof="0">
+                        <a:rPr lang="en-US" sz="1600" b="0" i="0" u="none" strike="noStrike" noProof="0" dirty="0">
                           <a:latin typeface="Arial"/>
                         </a:rPr>
-                        <a:t>Comparisons Within Categories</a:t>
+                        <a:t>Comparisons Between Groups</a:t>
                       </a:r>
                     </a:p>
                     <a:p>
@@ -7741,10 +7741,10 @@
                         <a:buChar char="•"/>
                       </a:pPr>
                       <a:r>
-                        <a:rPr lang="en-US" sz="1600" b="0" i="0" u="none" strike="noStrike" noProof="0"/>
+                        <a:rPr lang="en-US" sz="1600" b="0" i="0" u="none" strike="noStrike" noProof="0" dirty="0"/>
                         <a:t>Space Efficiency</a:t>
                       </a:r>
-                      <a:endParaRPr lang="en-US" sz="1600" b="0" i="0" u="none" strike="noStrike" noProof="0">
+                      <a:endParaRPr lang="en-US" sz="1600" b="0" i="0" u="none" strike="noStrike" noProof="0" dirty="0">
                         <a:latin typeface="Arial"/>
                       </a:endParaRPr>
                     </a:p>
@@ -7816,7 +7816,7 @@
                       <a:pPr lvl="0">
                         <a:buNone/>
                       </a:pPr>
-                      <a:endParaRPr lang="en-US"/>
+                      <a:endParaRPr lang="en-US" dirty="0"/>
                     </a:p>
                   </a:txBody>
                   <a:tcPr>
